--- a/Main.pptx
+++ b/Main.pptx
@@ -6720,7 +6720,7 @@
             </a:pPr>
             <a:r>
               <a:rPr lang="en-GB" sz="2800" dirty="0"/>
-              <a:t>Solution towards a successful connection</a:t>
+              <a:t>Solution towards a successful connection.</a:t>
             </a:r>
           </a:p>
           <a:p>
@@ -6735,7 +6735,10 @@
               <a:rPr lang="en-GB" sz="2800" dirty="0" err="1"/>
               <a:t>Synchroscope</a:t>
             </a:r>
-            <a:endParaRPr lang="en-GB" sz="2800" dirty="0"/>
+            <a:r>
+              <a:rPr lang="en-GB" sz="2800" dirty="0"/>
+              <a:t>.</a:t>
+            </a:r>
           </a:p>
           <a:p>
             <a:pPr marL="0" indent="0">
